--- a/lc_reading.pptx
+++ b/lc_reading.pptx
@@ -1466,33 +1466,6 @@
           <a:chExt cx="0" cy="0"/>
         </a:xfrm>
       </p:grpSpPr>
-      <p:sp xmlns:a="http://schemas.openxmlformats.org/drawingml/2006/main" xmlns:r="http://schemas.openxmlformats.org/officeDocument/2006/relationships" xmlns:p="http://schemas.openxmlformats.org/presentationml/2006/main">
-        <p:nvSpPr>
-          <p:cNvPr id="2" name=""/>
-          <p:cNvSpPr>
-            <a:spLocks noGrp="1"/>
-          </p:cNvSpPr>
-          <p:nvPr>
-            <p:ph/>
-          </p:nvPr>
-        </p:nvSpPr>
-        <p:spPr>
-          <a:xfrm>
-            <a:off x="5943600" y="2743200"/>
-            <a:ext cx="3657600" cy="2743200"/>
-          </a:xfrm>
-        </p:spPr>
-        <p:txBody>
-          <a:bodyPr/>
-          <a:lstStyle/>
-          <a:p>
-            <a:r>
-              <a:rPr/>
-              <a:t>With The LOUD Crowd</a:t>
-            </a:r>
-          </a:p>
-        </p:txBody>
-      </p:sp>
     </p:spTree>
   </p:cSld>
   <p:clrMapOvr>
